--- a/Lectures/Lec8/Lec8.pptx
+++ b/Lectures/Lec8/Lec8.pptx
@@ -265,7 +265,7 @@
           <a:p>
             <a:fld id="{15E7E210-172D-4ABE-8DAE-3CF56EC65FFE}" type="datetimeFigureOut">
               <a:rPr lang="en-US" smtClean="0"/>
-              <a:t>1/26/23</a:t>
+              <a:t>1/27/23</a:t>
             </a:fld>
             <a:endParaRPr lang="en-US"/>
           </a:p>
@@ -430,7 +430,7 @@
           <a:p>
             <a:fld id="{385B10A9-A767-4042-A06F-67B5283D520D}" type="datetimeFigureOut">
               <a:rPr lang="en-US" smtClean="0"/>
-              <a:t>1/26/23</a:t>
+              <a:t>1/27/23</a:t>
             </a:fld>
             <a:endParaRPr lang="en-US"/>
           </a:p>
@@ -1347,7 +1347,7 @@
             </a:pPr>
             <a:fld id="{A7A78B73-D440-4B82-9E3B-BAF17BD79BE4}" type="datetime1">
               <a:rPr lang="en-US" smtClean="0"/>
-              <a:t>1/26/23</a:t>
+              <a:t>1/27/23</a:t>
             </a:fld>
             <a:endParaRPr lang="en-US"/>
           </a:p>
@@ -1673,7 +1673,7 @@
             </a:pPr>
             <a:fld id="{A79DEEAB-A47E-45BA-A099-3882E6BDB966}" type="datetime1">
               <a:rPr lang="en-US" smtClean="0"/>
-              <a:t>1/26/23</a:t>
+              <a:t>1/27/23</a:t>
             </a:fld>
             <a:endParaRPr lang="en-US"/>
           </a:p>
@@ -2008,7 +2008,7 @@
             </a:pPr>
             <a:fld id="{3C36871A-CCA1-40F1-A326-C7B2951853D1}" type="datetime1">
               <a:rPr lang="en-US" smtClean="0"/>
-              <a:t>1/26/23</a:t>
+              <a:t>1/27/23</a:t>
             </a:fld>
             <a:endParaRPr lang="en-US"/>
           </a:p>
@@ -2473,7 +2473,7 @@
             </a:pPr>
             <a:fld id="{A32F2BC3-CC00-4DDD-B344-4F182799B4ED}" type="datetime1">
               <a:rPr lang="en-US" smtClean="0"/>
-              <a:t>1/26/23</a:t>
+              <a:t>1/27/23</a:t>
             </a:fld>
             <a:endParaRPr lang="en-US"/>
           </a:p>
@@ -2808,7 +2808,7 @@
             </a:pPr>
             <a:fld id="{7DFB47D3-8159-40CD-8213-97425B8B0CB4}" type="datetime1">
               <a:rPr lang="en-US" smtClean="0"/>
-              <a:t>1/26/23</a:t>
+              <a:t>1/27/23</a:t>
             </a:fld>
             <a:endParaRPr lang="en-US"/>
           </a:p>
@@ -2984,7 +2984,7 @@
             </a:pPr>
             <a:fld id="{EF6035DD-4E03-47F0-8D09-581FC637A1BF}" type="datetime1">
               <a:rPr lang="en-US" smtClean="0"/>
-              <a:t>1/26/23</a:t>
+              <a:t>1/27/23</a:t>
             </a:fld>
             <a:endParaRPr lang="en-US" dirty="0"/>
           </a:p>
@@ -3610,7 +3610,7 @@
           <a:noFill/>
           <a:extLst>
             <a:ext uri="{909E8E84-426E-40dd-AFC4-6F175D3DCCD1}">
-              <a14:hiddenFill xmlns:a14="http://schemas.microsoft.com/office/drawing/2010/main" xmlns="">
+              <a14:hiddenFill xmlns="" xmlns:a14="http://schemas.microsoft.com/office/drawing/2010/main">
                 <a:solidFill>
                   <a:srgbClr val="FFFFFF"/>
                 </a:solidFill>
@@ -3651,7 +3651,7 @@
           <a:noFill/>
           <a:extLst>
             <a:ext uri="{909E8E84-426E-40dd-AFC4-6F175D3DCCD1}">
-              <a14:hiddenFill xmlns:a14="http://schemas.microsoft.com/office/drawing/2010/main" xmlns="">
+              <a14:hiddenFill xmlns="" xmlns:a14="http://schemas.microsoft.com/office/drawing/2010/main">
                 <a:solidFill>
                   <a:srgbClr val="FFFFFF"/>
                 </a:solidFill>
